--- a/_Write/Botkit_intro.pptx
+++ b/_Write/Botkit_intro.pptx
@@ -15,6 +15,10 @@
     <p:sldId id="263" r:id="rId8"/>
     <p:sldId id="265" r:id="rId9"/>
     <p:sldId id="262" r:id="rId10"/>
+    <p:sldId id="270" r:id="rId11"/>
+    <p:sldId id="271" r:id="rId12"/>
+    <p:sldId id="272" r:id="rId13"/>
+    <p:sldId id="273" r:id="rId14"/>
   </p:sldIdLst>
   <p:sldSz cx="12192000" cy="6858000"/>
   <p:notesSz cx="7103745" cy="10234295"/>
@@ -3234,6 +3238,754 @@
           </a:p>
         </p:txBody>
       </p:sp>
+      <p:pic>
+        <p:nvPicPr>
+          <p:cNvPr id="3" name="图片 2"/>
+          <p:cNvPicPr>
+            <a:picLocks noChangeAspect="1"/>
+          </p:cNvPicPr>
+          <p:nvPr/>
+        </p:nvPicPr>
+        <p:blipFill>
+          <a:blip r:embed="rId3"/>
+          <a:stretch>
+            <a:fillRect/>
+          </a:stretch>
+        </p:blipFill>
+        <p:spPr>
+          <a:xfrm>
+            <a:off x="9517380" y="6811010"/>
+            <a:ext cx="2599690" cy="609600"/>
+          </a:xfrm>
+          <a:prstGeom prst="rect">
+            <a:avLst/>
+          </a:prstGeom>
+        </p:spPr>
+      </p:pic>
+    </p:spTree>
+  </p:cSld>
+  <p:clrMapOvr>
+    <a:masterClrMapping/>
+  </p:clrMapOvr>
+</p:sld>
+</file>
+
+<file path=ppt/slides/slide10.xml><?xml version="1.0" encoding="utf-8"?>
+<p:sld xmlns:a="http://schemas.openxmlformats.org/drawingml/2006/main" xmlns:r="http://schemas.openxmlformats.org/officeDocument/2006/relationships" xmlns:p="http://schemas.openxmlformats.org/presentationml/2006/main">
+  <p:cSld>
+    <p:spTree>
+      <p:nvGrpSpPr>
+        <p:cNvPr id="1" name=""/>
+        <p:cNvGrpSpPr/>
+        <p:nvPr/>
+      </p:nvGrpSpPr>
+      <p:grpSpPr/>
+      <p:sp>
+        <p:nvSpPr>
+          <p:cNvPr id="2" name="标题 1"/>
+          <p:cNvSpPr>
+            <a:spLocks noGrp="1"/>
+          </p:cNvSpPr>
+          <p:nvPr>
+            <p:ph type="title"/>
+          </p:nvPr>
+        </p:nvSpPr>
+        <p:spPr/>
+        <p:txBody>
+          <a:bodyPr>
+            <a:normAutofit/>
+          </a:bodyPr>
+          <a:p>
+            <a:r>
+              <a:rPr lang="en-US" altLang="zh-CN">
+                <a:sym typeface="+mn-ea"/>
+              </a:rPr>
+              <a:t>Integration possibility</a:t>
+            </a:r>
+            <a:endParaRPr lang="zh-CN" altLang="en-US"/>
+          </a:p>
+        </p:txBody>
+      </p:sp>
+      <p:sp>
+        <p:nvSpPr>
+          <p:cNvPr id="3" name="内容占位符 2"/>
+          <p:cNvSpPr>
+            <a:spLocks noGrp="1"/>
+          </p:cNvSpPr>
+          <p:nvPr>
+            <p:ph idx="1"/>
+          </p:nvPr>
+        </p:nvSpPr>
+        <p:spPr/>
+        <p:txBody>
+          <a:bodyPr/>
+          <a:p>
+            <a:r>
+              <a:rPr lang="en-US" altLang="zh-CN"/>
+              <a:t>An adventage of Botkit is to allow developers to integrate 3rd party API and with social platforms like Slack, Facebook and Twilio.		</a:t>
+            </a:r>
+            <a:endParaRPr lang="en-US" altLang="zh-CN"/>
+          </a:p>
+          <a:p>
+            <a:r>
+              <a:rPr lang="en-US" altLang="zh-CN"/>
+              <a:t>* e.g. Deploy to Slack platform</a:t>
+            </a:r>
+            <a:endParaRPr lang="en-US" altLang="zh-CN"/>
+          </a:p>
+          <a:p>
+            <a:r>
+              <a:rPr lang="en-US" altLang="zh-CN"/>
+              <a:t>* e.g. employ Google Dialog Flow				</a:t>
+            </a:r>
+            <a:endParaRPr lang="en-US" altLang="zh-CN"/>
+          </a:p>
+          <a:p>
+            <a:r>
+              <a:rPr lang="en-US" altLang="zh-CN"/>
+              <a:t>* e.g. Store on Google datastore </a:t>
+            </a:r>
+            <a:endParaRPr lang="en-US" altLang="zh-CN"/>
+          </a:p>
+        </p:txBody>
+      </p:sp>
+      <p:sp>
+        <p:nvSpPr>
+          <p:cNvPr id="4" name="页脚占位符 3"/>
+          <p:cNvSpPr>
+            <a:spLocks noGrp="1"/>
+          </p:cNvSpPr>
+          <p:nvPr>
+            <p:ph type="ftr" sz="quarter" idx="11"/>
+          </p:nvPr>
+        </p:nvSpPr>
+        <p:spPr/>
+        <p:txBody>
+          <a:bodyPr/>
+          <a:p>
+            <a:r>
+              <a:rPr lang="zh-CN" altLang="en-US"/>
+              <a:t>Xiaoming Ru</a:t>
+            </a:r>
+            <a:endParaRPr lang="zh-CN" altLang="en-US"/>
+          </a:p>
+        </p:txBody>
+      </p:sp>
+      <p:sp>
+        <p:nvSpPr>
+          <p:cNvPr id="5" name="灯片编号占位符 4"/>
+          <p:cNvSpPr>
+            <a:spLocks noGrp="1"/>
+          </p:cNvSpPr>
+          <p:nvPr>
+            <p:ph type="sldNum" sz="quarter" idx="12"/>
+          </p:nvPr>
+        </p:nvSpPr>
+        <p:spPr/>
+        <p:txBody>
+          <a:bodyPr/>
+          <a:p>
+            <a:fld id="{7D9BB5D0-35E4-459D-AEF3-FE4D7C45CC19}" type="slidenum">
+              <a:rPr lang="zh-CN" altLang="en-US" smtClean="0"/>
+            </a:fld>
+            <a:endParaRPr lang="zh-CN" altLang="en-US"/>
+          </a:p>
+        </p:txBody>
+      </p:sp>
+      <p:grpSp>
+        <p:nvGrpSpPr>
+          <p:cNvPr id="22" name="组合 21"/>
+          <p:cNvGrpSpPr/>
+          <p:nvPr/>
+        </p:nvGrpSpPr>
+        <p:grpSpPr>
+          <a:xfrm>
+            <a:off x="6211570" y="3395980"/>
+            <a:ext cx="5785485" cy="2960370"/>
+            <a:chOff x="4294" y="2977"/>
+            <a:chExt cx="9111" cy="4662"/>
+          </a:xfrm>
+        </p:grpSpPr>
+        <p:sp>
+          <p:nvSpPr>
+            <p:cNvPr id="9" name="圆角矩形 8"/>
+            <p:cNvSpPr/>
+            <p:nvPr/>
+          </p:nvSpPr>
+          <p:spPr>
+            <a:xfrm>
+              <a:off x="4294" y="5101"/>
+              <a:ext cx="7399" cy="826"/>
+            </a:xfrm>
+            <a:prstGeom prst="roundRect">
+              <a:avLst/>
+            </a:prstGeom>
+          </p:spPr>
+          <p:style>
+            <a:lnRef idx="2">
+              <a:schemeClr val="accent1">
+                <a:shade val="50000"/>
+              </a:schemeClr>
+            </a:lnRef>
+            <a:fillRef idx="1">
+              <a:schemeClr val="accent1"/>
+            </a:fillRef>
+            <a:effectRef idx="0">
+              <a:schemeClr val="accent1"/>
+            </a:effectRef>
+            <a:fontRef idx="minor">
+              <a:schemeClr val="lt1"/>
+            </a:fontRef>
+          </p:style>
+          <p:txBody>
+            <a:bodyPr rtlCol="0" anchor="ctr"/>
+            <a:p>
+              <a:pPr algn="ctr"/>
+              <a:endParaRPr lang="zh-CN" altLang="en-US"/>
+            </a:p>
+          </p:txBody>
+        </p:sp>
+        <p:sp>
+          <p:nvSpPr>
+            <p:cNvPr id="10" name="同侧圆角矩形 9"/>
+            <p:cNvSpPr/>
+            <p:nvPr/>
+          </p:nvSpPr>
+          <p:spPr>
+            <a:xfrm>
+              <a:off x="4309" y="2977"/>
+              <a:ext cx="5781" cy="2309"/>
+            </a:xfrm>
+            <a:prstGeom prst="round2SameRect">
+              <a:avLst/>
+            </a:prstGeom>
+          </p:spPr>
+          <p:style>
+            <a:lnRef idx="1">
+              <a:schemeClr val="accent1"/>
+            </a:lnRef>
+            <a:fillRef idx="2">
+              <a:schemeClr val="accent1"/>
+            </a:fillRef>
+            <a:effectRef idx="1">
+              <a:schemeClr val="accent1"/>
+            </a:effectRef>
+            <a:fontRef idx="minor">
+              <a:schemeClr val="dk1"/>
+            </a:fontRef>
+          </p:style>
+          <p:txBody>
+            <a:bodyPr rtlCol="0" anchor="ctr"/>
+            <a:p>
+              <a:pPr algn="ctr"/>
+              <a:endParaRPr lang="zh-CN" altLang="en-US"/>
+            </a:p>
+          </p:txBody>
+        </p:sp>
+        <p:sp>
+          <p:nvSpPr>
+            <p:cNvPr id="13" name="圆角矩形 12"/>
+            <p:cNvSpPr/>
+            <p:nvPr/>
+          </p:nvSpPr>
+          <p:spPr>
+            <a:xfrm>
+              <a:off x="10210" y="3129"/>
+              <a:ext cx="1392" cy="2232"/>
+            </a:xfrm>
+            <a:prstGeom prst="roundRect">
+              <a:avLst/>
+            </a:prstGeom>
+            <a:solidFill>
+              <a:srgbClr val="C00000"/>
+            </a:solidFill>
+          </p:spPr>
+          <p:style>
+            <a:lnRef idx="2">
+              <a:schemeClr val="accent2">
+                <a:shade val="50000"/>
+              </a:schemeClr>
+            </a:lnRef>
+            <a:fillRef idx="1">
+              <a:schemeClr val="accent2"/>
+            </a:fillRef>
+            <a:effectRef idx="0">
+              <a:schemeClr val="accent2"/>
+            </a:effectRef>
+            <a:fontRef idx="minor">
+              <a:schemeClr val="lt1"/>
+            </a:fontRef>
+          </p:style>
+          <p:txBody>
+            <a:bodyPr rtlCol="0" anchor="ctr"/>
+            <a:p>
+              <a:pPr algn="ctr"/>
+              <a:r>
+                <a:rPr lang="en-US" altLang="zh-CN"/>
+                <a:t>GHD</a:t>
+              </a:r>
+              <a:br>
+                <a:rPr lang="en-US" altLang="zh-CN"/>
+              </a:br>
+              <a:r>
+                <a:rPr lang="en-US" altLang="zh-CN"/>
+                <a:t>Buddy</a:t>
+              </a:r>
+              <a:endParaRPr lang="en-US" altLang="zh-CN"/>
+            </a:p>
+          </p:txBody>
+        </p:sp>
+        <p:sp>
+          <p:nvSpPr>
+            <p:cNvPr id="14" name="圆柱形 13"/>
+            <p:cNvSpPr/>
+            <p:nvPr/>
+          </p:nvSpPr>
+          <p:spPr>
+            <a:xfrm>
+              <a:off x="12381" y="3649"/>
+              <a:ext cx="1024" cy="1192"/>
+            </a:xfrm>
+            <a:prstGeom prst="can">
+              <a:avLst/>
+            </a:prstGeom>
+            <a:solidFill>
+              <a:srgbClr val="C00000"/>
+            </a:solidFill>
+          </p:spPr>
+          <p:style>
+            <a:lnRef idx="2">
+              <a:schemeClr val="accent1">
+                <a:shade val="50000"/>
+              </a:schemeClr>
+            </a:lnRef>
+            <a:fillRef idx="1">
+              <a:schemeClr val="accent1"/>
+            </a:fillRef>
+            <a:effectRef idx="0">
+              <a:schemeClr val="accent1"/>
+            </a:effectRef>
+            <a:fontRef idx="minor">
+              <a:schemeClr val="lt1"/>
+            </a:fontRef>
+          </p:style>
+          <p:txBody>
+            <a:bodyPr rtlCol="0" anchor="ctr"/>
+            <a:p>
+              <a:pPr algn="ctr"/>
+              <a:r>
+                <a:rPr lang="en-US" altLang="zh-CN"/>
+                <a:t>ES</a:t>
+              </a:r>
+              <a:endParaRPr lang="en-US" altLang="zh-CN"/>
+            </a:p>
+          </p:txBody>
+        </p:sp>
+        <p:sp>
+          <p:nvSpPr>
+            <p:cNvPr id="15" name="流程图: 预定义过程 14"/>
+            <p:cNvSpPr/>
+            <p:nvPr/>
+          </p:nvSpPr>
+          <p:spPr>
+            <a:xfrm>
+              <a:off x="4692" y="5713"/>
+              <a:ext cx="1529" cy="1926"/>
+            </a:xfrm>
+            <a:prstGeom prst="flowChartPredefinedProcess">
+              <a:avLst/>
+            </a:prstGeom>
+          </p:spPr>
+          <p:style>
+            <a:lnRef idx="1">
+              <a:schemeClr val="accent5"/>
+            </a:lnRef>
+            <a:fillRef idx="2">
+              <a:schemeClr val="accent5"/>
+            </a:fillRef>
+            <a:effectRef idx="1">
+              <a:schemeClr val="accent5"/>
+            </a:effectRef>
+            <a:fontRef idx="minor">
+              <a:schemeClr val="dk1"/>
+            </a:fontRef>
+          </p:style>
+          <p:txBody>
+            <a:bodyPr rtlCol="0" anchor="ctr"/>
+            <a:p>
+              <a:pPr algn="ctr"/>
+              <a:r>
+                <a:rPr lang="en-US" altLang="zh-CN"/>
+                <a:t>MS</a:t>
+              </a:r>
+              <a:br>
+                <a:rPr lang="en-US" altLang="zh-CN"/>
+              </a:br>
+              <a:r>
+                <a:rPr lang="en-US" altLang="zh-CN"/>
+                <a:t>LUIS</a:t>
+              </a:r>
+              <a:endParaRPr lang="en-US" altLang="zh-CN"/>
+            </a:p>
+          </p:txBody>
+        </p:sp>
+        <p:sp>
+          <p:nvSpPr>
+            <p:cNvPr id="16" name="流程图: 预定义过程 15"/>
+            <p:cNvSpPr/>
+            <p:nvPr/>
+          </p:nvSpPr>
+          <p:spPr>
+            <a:xfrm>
+              <a:off x="6473" y="5713"/>
+              <a:ext cx="1529" cy="1926"/>
+            </a:xfrm>
+            <a:prstGeom prst="flowChartPredefinedProcess">
+              <a:avLst/>
+            </a:prstGeom>
+          </p:spPr>
+          <p:style>
+            <a:lnRef idx="1">
+              <a:schemeClr val="accent5"/>
+            </a:lnRef>
+            <a:fillRef idx="2">
+              <a:schemeClr val="accent5"/>
+            </a:fillRef>
+            <a:effectRef idx="1">
+              <a:schemeClr val="accent5"/>
+            </a:effectRef>
+            <a:fontRef idx="minor">
+              <a:schemeClr val="dk1"/>
+            </a:fontRef>
+          </p:style>
+          <p:txBody>
+            <a:bodyPr rtlCol="0" anchor="ctr"/>
+            <a:p>
+              <a:pPr algn="ctr"/>
+              <a:r>
+                <a:rPr lang="en-US" altLang="zh-CN" sz="1400"/>
+                <a:t>Google</a:t>
+              </a:r>
+              <a:br>
+                <a:rPr lang="en-US" altLang="zh-CN" sz="1400"/>
+              </a:br>
+              <a:r>
+                <a:rPr lang="en-US" altLang="zh-CN" sz="1400"/>
+                <a:t>Dialog</a:t>
+              </a:r>
+              <a:br>
+                <a:rPr lang="en-US" altLang="zh-CN" sz="1400"/>
+              </a:br>
+              <a:r>
+                <a:rPr lang="en-US" altLang="zh-CN" sz="1400"/>
+                <a:t>Flow</a:t>
+              </a:r>
+              <a:endParaRPr lang="en-US" altLang="zh-CN" sz="1400"/>
+            </a:p>
+          </p:txBody>
+        </p:sp>
+        <p:sp>
+          <p:nvSpPr>
+            <p:cNvPr id="17" name="对角圆角矩形 16"/>
+            <p:cNvSpPr/>
+            <p:nvPr/>
+          </p:nvSpPr>
+          <p:spPr>
+            <a:xfrm>
+              <a:off x="4921" y="3588"/>
+              <a:ext cx="1284" cy="1849"/>
+            </a:xfrm>
+            <a:prstGeom prst="round2DiagRect">
+              <a:avLst/>
+            </a:prstGeom>
+          </p:spPr>
+          <p:style>
+            <a:lnRef idx="1">
+              <a:schemeClr val="accent6"/>
+            </a:lnRef>
+            <a:fillRef idx="2">
+              <a:schemeClr val="accent6"/>
+            </a:fillRef>
+            <a:effectRef idx="1">
+              <a:schemeClr val="accent6"/>
+            </a:effectRef>
+            <a:fontRef idx="minor">
+              <a:schemeClr val="dk1"/>
+            </a:fontRef>
+          </p:style>
+          <p:txBody>
+            <a:bodyPr rtlCol="0" anchor="ctr"/>
+            <a:p>
+              <a:pPr algn="ctr"/>
+              <a:r>
+                <a:rPr lang="en-US" altLang="zh-CN"/>
+                <a:t>MS</a:t>
+              </a:r>
+              <a:br>
+                <a:rPr lang="en-US" altLang="zh-CN"/>
+              </a:br>
+              <a:r>
+                <a:rPr lang="en-US" altLang="zh-CN"/>
+                <a:t>Bot</a:t>
+              </a:r>
+              <a:br>
+                <a:rPr lang="en-US" altLang="zh-CN"/>
+              </a:br>
+              <a:r>
+                <a:rPr lang="en-US" altLang="zh-CN" sz="900"/>
+                <a:t>Framework</a:t>
+              </a:r>
+              <a:endParaRPr lang="en-US" altLang="zh-CN" sz="900"/>
+            </a:p>
+          </p:txBody>
+        </p:sp>
+        <p:sp>
+          <p:nvSpPr>
+            <p:cNvPr id="18" name="对角圆角矩形 17"/>
+            <p:cNvSpPr/>
+            <p:nvPr/>
+          </p:nvSpPr>
+          <p:spPr>
+            <a:xfrm>
+              <a:off x="6595" y="3587"/>
+              <a:ext cx="1284" cy="1850"/>
+            </a:xfrm>
+            <a:prstGeom prst="round2DiagRect">
+              <a:avLst/>
+            </a:prstGeom>
+          </p:spPr>
+          <p:style>
+            <a:lnRef idx="1">
+              <a:schemeClr val="accent6"/>
+            </a:lnRef>
+            <a:fillRef idx="2">
+              <a:schemeClr val="accent6"/>
+            </a:fillRef>
+            <a:effectRef idx="1">
+              <a:schemeClr val="accent6"/>
+            </a:effectRef>
+            <a:fontRef idx="minor">
+              <a:schemeClr val="dk1"/>
+            </a:fontRef>
+          </p:style>
+          <p:txBody>
+            <a:bodyPr rtlCol="0" anchor="ctr"/>
+            <a:p>
+              <a:pPr algn="ctr"/>
+              <a:r>
+                <a:rPr lang="en-US" altLang="zh-CN"/>
+                <a:t>Face</a:t>
+              </a:r>
+              <a:br>
+                <a:rPr lang="en-US" altLang="zh-CN"/>
+              </a:br>
+              <a:r>
+                <a:rPr lang="en-US" altLang="zh-CN"/>
+                <a:t>book</a:t>
+              </a:r>
+              <a:br>
+                <a:rPr lang="en-US" altLang="zh-CN"/>
+              </a:br>
+              <a:r>
+                <a:rPr lang="en-US" altLang="zh-CN" sz="1000"/>
+                <a:t>Messager</a:t>
+              </a:r>
+              <a:endParaRPr lang="en-US" altLang="zh-CN" sz="1000"/>
+            </a:p>
+          </p:txBody>
+        </p:sp>
+        <p:sp>
+          <p:nvSpPr>
+            <p:cNvPr id="19" name="对角圆角矩形 18"/>
+            <p:cNvSpPr/>
+            <p:nvPr/>
+          </p:nvSpPr>
+          <p:spPr>
+            <a:xfrm>
+              <a:off x="8245" y="3588"/>
+              <a:ext cx="1284" cy="1850"/>
+            </a:xfrm>
+            <a:prstGeom prst="round2DiagRect">
+              <a:avLst/>
+            </a:prstGeom>
+          </p:spPr>
+          <p:style>
+            <a:lnRef idx="1">
+              <a:schemeClr val="accent6"/>
+            </a:lnRef>
+            <a:fillRef idx="2">
+              <a:schemeClr val="accent6"/>
+            </a:fillRef>
+            <a:effectRef idx="1">
+              <a:schemeClr val="accent6"/>
+            </a:effectRef>
+            <a:fontRef idx="minor">
+              <a:schemeClr val="dk1"/>
+            </a:fontRef>
+          </p:style>
+          <p:txBody>
+            <a:bodyPr rtlCol="0" anchor="ctr"/>
+            <a:p>
+              <a:pPr algn="ctr"/>
+              <a:r>
+                <a:rPr lang="en-US" altLang="zh-CN"/>
+                <a:t>Slack</a:t>
+              </a:r>
+              <a:endParaRPr lang="en-US" altLang="zh-CN"/>
+            </a:p>
+          </p:txBody>
+        </p:sp>
+        <p:cxnSp>
+          <p:nvCxnSpPr>
+            <p:cNvPr id="21" name="直接箭头连接符 20"/>
+            <p:cNvCxnSpPr>
+              <a:stCxn id="13" idx="3"/>
+              <a:endCxn id="14" idx="2"/>
+            </p:cNvCxnSpPr>
+            <p:nvPr/>
+          </p:nvCxnSpPr>
+          <p:spPr>
+            <a:xfrm>
+              <a:off x="11602" y="4245"/>
+              <a:ext cx="779" cy="0"/>
+            </a:xfrm>
+            <a:prstGeom prst="straightConnector1">
+              <a:avLst/>
+            </a:prstGeom>
+            <a:ln>
+              <a:tailEnd type="arrow"/>
+            </a:ln>
+          </p:spPr>
+          <p:style>
+            <a:lnRef idx="1">
+              <a:schemeClr val="accent1"/>
+            </a:lnRef>
+            <a:fillRef idx="0">
+              <a:schemeClr val="accent1"/>
+            </a:fillRef>
+            <a:effectRef idx="0">
+              <a:schemeClr val="accent1"/>
+            </a:effectRef>
+            <a:fontRef idx="minor">
+              <a:schemeClr val="tx1"/>
+            </a:fontRef>
+          </p:style>
+        </p:cxnSp>
+      </p:grpSp>
+    </p:spTree>
+  </p:cSld>
+  <p:clrMapOvr>
+    <a:masterClrMapping/>
+  </p:clrMapOvr>
+</p:sld>
+</file>
+
+<file path=ppt/slides/slide11.xml><?xml version="1.0" encoding="utf-8"?>
+<p:sld xmlns:a="http://schemas.openxmlformats.org/drawingml/2006/main" xmlns:r="http://schemas.openxmlformats.org/officeDocument/2006/relationships" xmlns:p="http://schemas.openxmlformats.org/presentationml/2006/main">
+  <p:cSld>
+    <p:spTree>
+      <p:nvGrpSpPr>
+        <p:cNvPr id="1" name=""/>
+        <p:cNvGrpSpPr/>
+        <p:nvPr/>
+      </p:nvGrpSpPr>
+      <p:grpSpPr/>
+      <p:sp>
+        <p:nvSpPr>
+          <p:cNvPr id="2" name="标题 1"/>
+          <p:cNvSpPr>
+            <a:spLocks noGrp="1"/>
+          </p:cNvSpPr>
+          <p:nvPr>
+            <p:ph type="title"/>
+          </p:nvPr>
+        </p:nvSpPr>
+        <p:spPr>
+          <a:xfrm>
+            <a:off x="794385" y="365125"/>
+            <a:ext cx="10515600" cy="1325563"/>
+          </a:xfrm>
+        </p:spPr>
+        <p:txBody>
+          <a:bodyPr/>
+          <a:p>
+            <a:r>
+              <a:rPr lang="en-US" altLang="zh-CN"/>
+              <a:t>Intent dection</a:t>
+            </a:r>
+            <a:endParaRPr lang="en-US" altLang="zh-CN"/>
+          </a:p>
+        </p:txBody>
+      </p:sp>
+      <p:sp>
+        <p:nvSpPr>
+          <p:cNvPr id="4" name="页脚占位符 3"/>
+          <p:cNvSpPr>
+            <a:spLocks noGrp="1"/>
+          </p:cNvSpPr>
+          <p:nvPr>
+            <p:ph type="ftr" sz="quarter" idx="11"/>
+          </p:nvPr>
+        </p:nvSpPr>
+        <p:spPr/>
+        <p:txBody>
+          <a:bodyPr/>
+          <a:p>
+            <a:r>
+              <a:rPr lang="zh-CN" altLang="en-US"/>
+              <a:t>Xiaoming Ru</a:t>
+            </a:r>
+            <a:endParaRPr lang="zh-CN" altLang="en-US"/>
+          </a:p>
+        </p:txBody>
+      </p:sp>
+      <p:sp>
+        <p:nvSpPr>
+          <p:cNvPr id="5" name="灯片编号占位符 4"/>
+          <p:cNvSpPr>
+            <a:spLocks noGrp="1"/>
+          </p:cNvSpPr>
+          <p:nvPr>
+            <p:ph type="sldNum" sz="quarter" idx="12"/>
+          </p:nvPr>
+        </p:nvSpPr>
+        <p:spPr/>
+        <p:txBody>
+          <a:bodyPr/>
+          <a:p>
+            <a:fld id="{7D9BB5D0-35E4-459D-AEF3-FE4D7C45CC19}" type="slidenum">
+              <a:rPr lang="zh-CN" altLang="en-US" smtClean="0"/>
+            </a:fld>
+            <a:endParaRPr lang="zh-CN" altLang="en-US"/>
+          </a:p>
+        </p:txBody>
+      </p:sp>
+      <p:pic>
+        <p:nvPicPr>
+          <p:cNvPr id="6" name="内容占位符 5"/>
+          <p:cNvPicPr>
+            <a:picLocks noChangeAspect="1"/>
+          </p:cNvPicPr>
+          <p:nvPr>
+            <p:ph idx="1"/>
+          </p:nvPr>
+        </p:nvPicPr>
+        <p:blipFill>
+          <a:blip r:embed="rId1"/>
+          <a:stretch>
+            <a:fillRect/>
+          </a:stretch>
+        </p:blipFill>
+        <p:spPr>
+          <a:xfrm>
+            <a:off x="4039235" y="-293370"/>
+            <a:ext cx="10213975" cy="7146925"/>
+          </a:xfrm>
+          <a:prstGeom prst="rect">
+            <a:avLst/>
+          </a:prstGeom>
+        </p:spPr>
+      </p:pic>
     </p:spTree>
   </p:cSld>
   <p:clrMapOvr>
@@ -4176,6 +4928,314 @@
           </a:p>
         </p:txBody>
       </p:sp>
+    </p:spTree>
+  </p:cSld>
+  <p:clrMapOvr>
+    <a:masterClrMapping/>
+  </p:clrMapOvr>
+</p:sld>
+</file>
+
+<file path=ppt/slides/slide8.xml><?xml version="1.0" encoding="utf-8"?>
+<p:sld xmlns:a="http://schemas.openxmlformats.org/drawingml/2006/main" xmlns:r="http://schemas.openxmlformats.org/officeDocument/2006/relationships" xmlns:p="http://schemas.openxmlformats.org/presentationml/2006/main">
+  <p:cSld>
+    <p:spTree>
+      <p:nvGrpSpPr>
+        <p:cNvPr id="1" name=""/>
+        <p:cNvGrpSpPr/>
+        <p:nvPr/>
+      </p:nvGrpSpPr>
+      <p:grpSpPr/>
+      <p:sp>
+        <p:nvSpPr>
+          <p:cNvPr id="2" name="标题 1"/>
+          <p:cNvSpPr>
+            <a:spLocks noGrp="1"/>
+          </p:cNvSpPr>
+          <p:nvPr>
+            <p:ph type="title"/>
+          </p:nvPr>
+        </p:nvSpPr>
+        <p:spPr/>
+        <p:txBody>
+          <a:bodyPr/>
+          <a:p>
+            <a:r>
+              <a:rPr lang="en-US" altLang="zh-CN"/>
+              <a:t>#Learning mode# on Client-chat</a:t>
+            </a:r>
+            <a:endParaRPr lang="zh-CN" altLang="en-US"/>
+          </a:p>
+        </p:txBody>
+      </p:sp>
+      <p:sp>
+        <p:nvSpPr>
+          <p:cNvPr id="4" name="页脚占位符 3"/>
+          <p:cNvSpPr>
+            <a:spLocks noGrp="1"/>
+          </p:cNvSpPr>
+          <p:nvPr>
+            <p:ph type="ftr" sz="quarter" idx="11"/>
+          </p:nvPr>
+        </p:nvSpPr>
+        <p:spPr/>
+        <p:txBody>
+          <a:bodyPr/>
+          <a:p>
+            <a:r>
+              <a:rPr lang="zh-CN" altLang="en-US"/>
+              <a:t>Xiaoming Ru</a:t>
+            </a:r>
+            <a:endParaRPr lang="zh-CN" altLang="en-US"/>
+          </a:p>
+        </p:txBody>
+      </p:sp>
+      <p:sp>
+        <p:nvSpPr>
+          <p:cNvPr id="5" name="灯片编号占位符 4"/>
+          <p:cNvSpPr>
+            <a:spLocks noGrp="1"/>
+          </p:cNvSpPr>
+          <p:nvPr>
+            <p:ph type="sldNum" sz="quarter" idx="12"/>
+          </p:nvPr>
+        </p:nvSpPr>
+        <p:spPr/>
+        <p:txBody>
+          <a:bodyPr/>
+          <a:p>
+            <a:fld id="{7D9BB5D0-35E4-459D-AEF3-FE4D7C45CC19}" type="slidenum">
+              <a:rPr lang="zh-CN" altLang="en-US" smtClean="0"/>
+            </a:fld>
+            <a:endParaRPr lang="zh-CN" altLang="en-US"/>
+          </a:p>
+        </p:txBody>
+      </p:sp>
+      <p:pic>
+        <p:nvPicPr>
+          <p:cNvPr id="6" name="内容占位符 5"/>
+          <p:cNvPicPr>
+            <a:picLocks noChangeAspect="1"/>
+          </p:cNvPicPr>
+          <p:nvPr>
+            <p:ph idx="1"/>
+          </p:nvPr>
+        </p:nvPicPr>
+        <p:blipFill>
+          <a:blip r:embed="rId1"/>
+          <a:stretch>
+            <a:fillRect/>
+          </a:stretch>
+        </p:blipFill>
+        <p:spPr>
+          <a:xfrm>
+            <a:off x="3520440" y="1691005"/>
+            <a:ext cx="3819525" cy="3829050"/>
+          </a:xfrm>
+          <a:prstGeom prst="rect">
+            <a:avLst/>
+          </a:prstGeom>
+        </p:spPr>
+      </p:pic>
+      <p:pic>
+        <p:nvPicPr>
+          <p:cNvPr id="7" name="图片 6"/>
+          <p:cNvPicPr>
+            <a:picLocks noChangeAspect="1"/>
+          </p:cNvPicPr>
+          <p:nvPr/>
+        </p:nvPicPr>
+        <p:blipFill>
+          <a:blip r:embed="rId2"/>
+          <a:stretch>
+            <a:fillRect/>
+          </a:stretch>
+        </p:blipFill>
+        <p:spPr>
+          <a:xfrm>
+            <a:off x="3510915" y="5137150"/>
+            <a:ext cx="3818890" cy="1409700"/>
+          </a:xfrm>
+          <a:prstGeom prst="rect">
+            <a:avLst/>
+          </a:prstGeom>
+        </p:spPr>
+      </p:pic>
+      <p:pic>
+        <p:nvPicPr>
+          <p:cNvPr id="8" name="图片 7"/>
+          <p:cNvPicPr>
+            <a:picLocks noChangeAspect="1"/>
+          </p:cNvPicPr>
+          <p:nvPr/>
+        </p:nvPicPr>
+        <p:blipFill>
+          <a:blip r:embed="rId3"/>
+          <a:stretch>
+            <a:fillRect/>
+          </a:stretch>
+        </p:blipFill>
+        <p:spPr>
+          <a:xfrm>
+            <a:off x="7483475" y="1778000"/>
+            <a:ext cx="4161790" cy="2780665"/>
+          </a:xfrm>
+          <a:prstGeom prst="rect">
+            <a:avLst/>
+          </a:prstGeom>
+        </p:spPr>
+      </p:pic>
+      <p:pic>
+        <p:nvPicPr>
+          <p:cNvPr id="9" name="图片 8"/>
+          <p:cNvPicPr>
+            <a:picLocks noChangeAspect="1"/>
+          </p:cNvPicPr>
+          <p:nvPr/>
+        </p:nvPicPr>
+        <p:blipFill>
+          <a:blip r:embed="rId4"/>
+          <a:stretch>
+            <a:fillRect/>
+          </a:stretch>
+        </p:blipFill>
+        <p:spPr>
+          <a:xfrm>
+            <a:off x="-31750" y="1691005"/>
+            <a:ext cx="3542665" cy="1695450"/>
+          </a:xfrm>
+          <a:prstGeom prst="rect">
+            <a:avLst/>
+          </a:prstGeom>
+        </p:spPr>
+      </p:pic>
+    </p:spTree>
+  </p:cSld>
+  <p:clrMapOvr>
+    <a:masterClrMapping/>
+  </p:clrMapOvr>
+</p:sld>
+</file>
+
+<file path=ppt/slides/slide9.xml><?xml version="1.0" encoding="utf-8"?>
+<p:sld xmlns:a="http://schemas.openxmlformats.org/drawingml/2006/main" xmlns:r="http://schemas.openxmlformats.org/officeDocument/2006/relationships" xmlns:p="http://schemas.openxmlformats.org/presentationml/2006/main">
+  <p:cSld>
+    <p:spTree>
+      <p:nvGrpSpPr>
+        <p:cNvPr id="1" name=""/>
+        <p:cNvGrpSpPr/>
+        <p:nvPr/>
+      </p:nvGrpSpPr>
+      <p:grpSpPr/>
+      <p:sp>
+        <p:nvSpPr>
+          <p:cNvPr id="2" name="标题 1"/>
+          <p:cNvSpPr>
+            <a:spLocks noGrp="1"/>
+          </p:cNvSpPr>
+          <p:nvPr>
+            <p:ph type="title"/>
+          </p:nvPr>
+        </p:nvSpPr>
+        <p:spPr/>
+        <p:txBody>
+          <a:bodyPr/>
+          <a:p>
+            <a:r>
+              <a:rPr lang="en-US" altLang="zh-CN"/>
+              <a:t>Comparsion</a:t>
+            </a:r>
+            <a:endParaRPr lang="en-US" altLang="zh-CN"/>
+          </a:p>
+        </p:txBody>
+      </p:sp>
+      <p:sp>
+        <p:nvSpPr>
+          <p:cNvPr id="4" name="页脚占位符 3"/>
+          <p:cNvSpPr>
+            <a:spLocks noGrp="1"/>
+          </p:cNvSpPr>
+          <p:nvPr>
+            <p:ph type="ftr" sz="quarter" idx="11"/>
+          </p:nvPr>
+        </p:nvSpPr>
+        <p:spPr/>
+        <p:txBody>
+          <a:bodyPr/>
+          <a:p>
+            <a:r>
+              <a:rPr lang="zh-CN" altLang="en-US"/>
+              <a:t>Xiaoming Ru</a:t>
+            </a:r>
+            <a:endParaRPr lang="zh-CN" altLang="en-US"/>
+          </a:p>
+        </p:txBody>
+      </p:sp>
+      <p:sp>
+        <p:nvSpPr>
+          <p:cNvPr id="5" name="灯片编号占位符 4"/>
+          <p:cNvSpPr>
+            <a:spLocks noGrp="1"/>
+          </p:cNvSpPr>
+          <p:nvPr>
+            <p:ph type="sldNum" sz="quarter" idx="12"/>
+          </p:nvPr>
+        </p:nvSpPr>
+        <p:spPr/>
+        <p:txBody>
+          <a:bodyPr/>
+          <a:p>
+            <a:fld id="{7D9BB5D0-35E4-459D-AEF3-FE4D7C45CC19}" type="slidenum">
+              <a:rPr lang="zh-CN" altLang="en-US" smtClean="0"/>
+            </a:fld>
+            <a:endParaRPr lang="zh-CN" altLang="en-US"/>
+          </a:p>
+        </p:txBody>
+      </p:sp>
+      <p:sp>
+        <p:nvSpPr>
+          <p:cNvPr id="7" name="内容占位符 6"/>
+          <p:cNvSpPr/>
+          <p:nvPr>
+            <p:ph idx="1"/>
+          </p:nvPr>
+        </p:nvSpPr>
+        <p:spPr/>
+        <p:txBody>
+          <a:bodyPr/>
+          <a:p>
+            <a:r>
+              <a:rPr lang="en-US" altLang="zh-CN"/>
+              <a:t> </a:t>
+            </a:r>
+            <a:endParaRPr lang="en-US" altLang="zh-CN"/>
+          </a:p>
+        </p:txBody>
+      </p:sp>
+      <p:pic>
+        <p:nvPicPr>
+          <p:cNvPr id="23" name="图片 22"/>
+          <p:cNvPicPr>
+            <a:picLocks noChangeAspect="1"/>
+          </p:cNvPicPr>
+          <p:nvPr/>
+        </p:nvPicPr>
+        <p:blipFill>
+          <a:blip r:embed="rId1"/>
+          <a:stretch>
+            <a:fillRect/>
+          </a:stretch>
+        </p:blipFill>
+        <p:spPr>
+          <a:xfrm>
+            <a:off x="657225" y="1321435"/>
+            <a:ext cx="9771380" cy="5400040"/>
+          </a:xfrm>
+          <a:prstGeom prst="rect">
+            <a:avLst/>
+          </a:prstGeom>
+        </p:spPr>
+      </p:pic>
     </p:spTree>
   </p:cSld>
   <p:clrMapOvr>

--- a/_Write/Botkit_intro.pptx
+++ b/_Write/Botkit_intro.pptx
@@ -19,6 +19,7 @@
     <p:sldId id="271" r:id="rId12"/>
     <p:sldId id="272" r:id="rId13"/>
     <p:sldId id="273" r:id="rId14"/>
+    <p:sldId id="274" r:id="rId15"/>
   </p:sldIdLst>
   <p:sldSz cx="12192000" cy="6858000"/>
   <p:notesSz cx="7103745" cy="10234295"/>
@@ -543,6 +544,54 @@
         <p:txBody>
           <a:bodyPr/>
           <a:p>
+            <a:endParaRPr lang="zh-CN" altLang="en-US"/>
+          </a:p>
+        </p:txBody>
+      </p:sp>
+    </p:spTree>
+  </p:cSld>
+  <p:clrMapOvr>
+    <a:masterClrMapping/>
+  </p:clrMapOvr>
+</p:notes>
+</file>
+
+<file path=ppt/notesSlides/notesSlide3.xml><?xml version="1.0" encoding="utf-8"?>
+<p:notes xmlns:a="http://schemas.openxmlformats.org/drawingml/2006/main" xmlns:r="http://schemas.openxmlformats.org/officeDocument/2006/relationships" xmlns:p="http://schemas.openxmlformats.org/presentationml/2006/main">
+  <p:cSld>
+    <p:spTree>
+      <p:nvGrpSpPr>
+        <p:cNvPr id="1" name=""/>
+        <p:cNvGrpSpPr/>
+        <p:nvPr/>
+      </p:nvGrpSpPr>
+      <p:grpSpPr/>
+      <p:sp>
+        <p:nvSpPr>
+          <p:cNvPr id="2" name="幻灯片图像占位符 1"/>
+          <p:cNvSpPr/>
+          <p:nvPr>
+            <p:ph type="sldImg" idx="2"/>
+          </p:nvPr>
+        </p:nvSpPr>
+        <p:spPr/>
+      </p:sp>
+      <p:sp>
+        <p:nvSpPr>
+          <p:cNvPr id="3" name="文本占位符 2"/>
+          <p:cNvSpPr/>
+          <p:nvPr>
+            <p:ph type="body" idx="3"/>
+          </p:nvPr>
+        </p:nvSpPr>
+        <p:spPr/>
+        <p:txBody>
+          <a:bodyPr/>
+          <a:p>
+            <a:r>
+              <a:rPr lang="zh-CN" altLang="en-US"/>
+              <a:t>https://docs.microsoft.com/en-us/azure/cognitive-services/luis/luis-reference-prebuilt-domains#fitness</a:t>
+            </a:r>
             <a:endParaRPr lang="zh-CN" altLang="en-US"/>
           </a:p>
         </p:txBody>
@@ -3986,6 +4035,632 @@
           </a:prstGeom>
         </p:spPr>
       </p:pic>
+      <p:pic>
+        <p:nvPicPr>
+          <p:cNvPr id="7" name="图片 6"/>
+          <p:cNvPicPr>
+            <a:picLocks noChangeAspect="1"/>
+          </p:cNvPicPr>
+          <p:nvPr/>
+        </p:nvPicPr>
+        <p:blipFill>
+          <a:blip r:embed="rId2"/>
+          <a:stretch>
+            <a:fillRect/>
+          </a:stretch>
+        </p:blipFill>
+        <p:spPr>
+          <a:xfrm>
+            <a:off x="1045845" y="1305560"/>
+            <a:ext cx="3331845" cy="5547995"/>
+          </a:xfrm>
+          <a:prstGeom prst="rect">
+            <a:avLst/>
+          </a:prstGeom>
+        </p:spPr>
+      </p:pic>
+      <p:sp>
+        <p:nvSpPr>
+          <p:cNvPr id="9" name="内容占位符 6"/>
+          <p:cNvSpPr/>
+          <p:nvPr/>
+        </p:nvSpPr>
+        <p:spPr>
+          <a:xfrm>
+            <a:off x="838200" y="1825625"/>
+            <a:ext cx="10515600" cy="4351338"/>
+          </a:xfrm>
+          <a:prstGeom prst="rect">
+            <a:avLst/>
+          </a:prstGeom>
+        </p:spPr>
+        <p:txBody>
+          <a:bodyPr vert="horz" lIns="91440" tIns="45720" rIns="91440" bIns="45720" rtlCol="0">
+            <a:normAutofit/>
+          </a:bodyPr>
+          <a:lstStyle>
+            <a:lvl1pPr marL="228600" indent="-228600" algn="l" defTabSz="914400" rtl="0" eaLnBrk="1" latinLnBrk="0" hangingPunct="1">
+              <a:lnSpc>
+                <a:spcPct val="90000"/>
+              </a:lnSpc>
+              <a:spcBef>
+                <a:spcPts val="1000"/>
+              </a:spcBef>
+              <a:buFont typeface="Arial" panose="020B0604020202020204" pitchFamily="34" charset="0"/>
+              <a:buChar char="•"/>
+              <a:defRPr sz="2800" kern="1200">
+                <a:solidFill>
+                  <a:schemeClr val="tx1"/>
+                </a:solidFill>
+                <a:latin typeface="+mn-lt"/>
+                <a:ea typeface="+mn-ea"/>
+                <a:cs typeface="+mn-cs"/>
+              </a:defRPr>
+            </a:lvl1pPr>
+            <a:lvl2pPr marL="685800" indent="-228600" algn="l" defTabSz="914400" rtl="0" eaLnBrk="1" latinLnBrk="0" hangingPunct="1">
+              <a:lnSpc>
+                <a:spcPct val="90000"/>
+              </a:lnSpc>
+              <a:spcBef>
+                <a:spcPts val="500"/>
+              </a:spcBef>
+              <a:buFont typeface="Arial" panose="020B0604020202020204" pitchFamily="34" charset="0"/>
+              <a:buChar char="•"/>
+              <a:defRPr sz="2400" kern="1200">
+                <a:solidFill>
+                  <a:schemeClr val="tx1"/>
+                </a:solidFill>
+                <a:latin typeface="+mn-lt"/>
+                <a:ea typeface="+mn-ea"/>
+                <a:cs typeface="+mn-cs"/>
+              </a:defRPr>
+            </a:lvl2pPr>
+            <a:lvl3pPr marL="1143000" indent="-228600" algn="l" defTabSz="914400" rtl="0" eaLnBrk="1" latinLnBrk="0" hangingPunct="1">
+              <a:lnSpc>
+                <a:spcPct val="90000"/>
+              </a:lnSpc>
+              <a:spcBef>
+                <a:spcPts val="500"/>
+              </a:spcBef>
+              <a:buFont typeface="Arial" panose="020B0604020202020204" pitchFamily="34" charset="0"/>
+              <a:buChar char="•"/>
+              <a:defRPr sz="2000" kern="1200">
+                <a:solidFill>
+                  <a:schemeClr val="tx1"/>
+                </a:solidFill>
+                <a:latin typeface="+mn-lt"/>
+                <a:ea typeface="+mn-ea"/>
+                <a:cs typeface="+mn-cs"/>
+              </a:defRPr>
+            </a:lvl3pPr>
+            <a:lvl4pPr marL="1600200" indent="-228600" algn="l" defTabSz="914400" rtl="0" eaLnBrk="1" latinLnBrk="0" hangingPunct="1">
+              <a:lnSpc>
+                <a:spcPct val="90000"/>
+              </a:lnSpc>
+              <a:spcBef>
+                <a:spcPts val="500"/>
+              </a:spcBef>
+              <a:buFont typeface="Arial" panose="020B0604020202020204" pitchFamily="34" charset="0"/>
+              <a:buChar char="•"/>
+              <a:defRPr sz="1800" kern="1200">
+                <a:solidFill>
+                  <a:schemeClr val="tx1"/>
+                </a:solidFill>
+                <a:latin typeface="+mn-lt"/>
+                <a:ea typeface="+mn-ea"/>
+                <a:cs typeface="+mn-cs"/>
+              </a:defRPr>
+            </a:lvl4pPr>
+            <a:lvl5pPr marL="2057400" indent="-228600" algn="l" defTabSz="914400" rtl="0" eaLnBrk="1" latinLnBrk="0" hangingPunct="1">
+              <a:lnSpc>
+                <a:spcPct val="90000"/>
+              </a:lnSpc>
+              <a:spcBef>
+                <a:spcPts val="500"/>
+              </a:spcBef>
+              <a:buFont typeface="Arial" panose="020B0604020202020204" pitchFamily="34" charset="0"/>
+              <a:buChar char="•"/>
+              <a:defRPr sz="1800" kern="1200">
+                <a:solidFill>
+                  <a:schemeClr val="tx1"/>
+                </a:solidFill>
+                <a:latin typeface="+mn-lt"/>
+                <a:ea typeface="+mn-ea"/>
+                <a:cs typeface="+mn-cs"/>
+              </a:defRPr>
+            </a:lvl5pPr>
+            <a:lvl6pPr marL="2514600" indent="-228600" algn="l" defTabSz="914400" rtl="0" eaLnBrk="1" latinLnBrk="0" hangingPunct="1">
+              <a:lnSpc>
+                <a:spcPct val="90000"/>
+              </a:lnSpc>
+              <a:spcBef>
+                <a:spcPts val="500"/>
+              </a:spcBef>
+              <a:buFont typeface="Arial" panose="020B0604020202020204" pitchFamily="34" charset="0"/>
+              <a:buChar char="•"/>
+              <a:defRPr sz="1800" kern="1200">
+                <a:solidFill>
+                  <a:schemeClr val="tx1"/>
+                </a:solidFill>
+                <a:latin typeface="+mn-lt"/>
+                <a:ea typeface="+mn-ea"/>
+                <a:cs typeface="+mn-cs"/>
+              </a:defRPr>
+            </a:lvl6pPr>
+            <a:lvl7pPr marL="2971800" indent="-228600" algn="l" defTabSz="914400" rtl="0" eaLnBrk="1" latinLnBrk="0" hangingPunct="1">
+              <a:lnSpc>
+                <a:spcPct val="90000"/>
+              </a:lnSpc>
+              <a:spcBef>
+                <a:spcPts val="500"/>
+              </a:spcBef>
+              <a:buFont typeface="Arial" panose="020B0604020202020204" pitchFamily="34" charset="0"/>
+              <a:buChar char="•"/>
+              <a:defRPr sz="1800" kern="1200">
+                <a:solidFill>
+                  <a:schemeClr val="tx1"/>
+                </a:solidFill>
+                <a:latin typeface="+mn-lt"/>
+                <a:ea typeface="+mn-ea"/>
+                <a:cs typeface="+mn-cs"/>
+              </a:defRPr>
+            </a:lvl7pPr>
+            <a:lvl8pPr marL="3429000" indent="-228600" algn="l" defTabSz="914400" rtl="0" eaLnBrk="1" latinLnBrk="0" hangingPunct="1">
+              <a:lnSpc>
+                <a:spcPct val="90000"/>
+              </a:lnSpc>
+              <a:spcBef>
+                <a:spcPts val="500"/>
+              </a:spcBef>
+              <a:buFont typeface="Arial" panose="020B0604020202020204" pitchFamily="34" charset="0"/>
+              <a:buChar char="•"/>
+              <a:defRPr sz="1800" kern="1200">
+                <a:solidFill>
+                  <a:schemeClr val="tx1"/>
+                </a:solidFill>
+                <a:latin typeface="+mn-lt"/>
+                <a:ea typeface="+mn-ea"/>
+                <a:cs typeface="+mn-cs"/>
+              </a:defRPr>
+            </a:lvl8pPr>
+            <a:lvl9pPr marL="3886200" indent="-228600" algn="l" defTabSz="914400" rtl="0" eaLnBrk="1" latinLnBrk="0" hangingPunct="1">
+              <a:lnSpc>
+                <a:spcPct val="90000"/>
+              </a:lnSpc>
+              <a:spcBef>
+                <a:spcPts val="500"/>
+              </a:spcBef>
+              <a:buFont typeface="Arial" panose="020B0604020202020204" pitchFamily="34" charset="0"/>
+              <a:buChar char="•"/>
+              <a:defRPr sz="1800" kern="1200">
+                <a:solidFill>
+                  <a:schemeClr val="tx1"/>
+                </a:solidFill>
+                <a:latin typeface="+mn-lt"/>
+                <a:ea typeface="+mn-ea"/>
+                <a:cs typeface="+mn-cs"/>
+              </a:defRPr>
+            </a:lvl9pPr>
+          </a:lstStyle>
+          <a:p>
+            <a:r>
+              <a:rPr lang="en-US" altLang="zh-CN"/>
+              <a:t>  </a:t>
+            </a:r>
+            <a:endParaRPr lang="en-US" altLang="zh-CN"/>
+          </a:p>
+        </p:txBody>
+      </p:sp>
+    </p:spTree>
+  </p:cSld>
+  <p:clrMapOvr>
+    <a:masterClrMapping/>
+  </p:clrMapOvr>
+</p:sld>
+</file>
+
+<file path=ppt/slides/slide12.xml><?xml version="1.0" encoding="utf-8"?>
+<p:sld xmlns:a="http://schemas.openxmlformats.org/drawingml/2006/main" xmlns:r="http://schemas.openxmlformats.org/officeDocument/2006/relationships" xmlns:p="http://schemas.openxmlformats.org/presentationml/2006/main">
+  <p:cSld>
+    <p:spTree>
+      <p:nvGrpSpPr>
+        <p:cNvPr id="1" name=""/>
+        <p:cNvGrpSpPr/>
+        <p:nvPr/>
+      </p:nvGrpSpPr>
+      <p:grpSpPr/>
+      <p:sp>
+        <p:nvSpPr>
+          <p:cNvPr id="2" name="标题 1"/>
+          <p:cNvSpPr>
+            <a:spLocks noGrp="1"/>
+          </p:cNvSpPr>
+          <p:nvPr>
+            <p:ph type="title"/>
+          </p:nvPr>
+        </p:nvSpPr>
+        <p:spPr>
+          <a:xfrm>
+            <a:off x="10160" y="156845"/>
+            <a:ext cx="10515600" cy="1325563"/>
+          </a:xfrm>
+        </p:spPr>
+        <p:txBody>
+          <a:bodyPr/>
+          <a:p>
+            <a:r>
+              <a:rPr lang="en-US" altLang="zh-CN"/>
+              <a:t>ReadQA</a:t>
+            </a:r>
+            <a:endParaRPr lang="en-US" altLang="zh-CN"/>
+          </a:p>
+        </p:txBody>
+      </p:sp>
+      <p:sp>
+        <p:nvSpPr>
+          <p:cNvPr id="4" name="页脚占位符 3"/>
+          <p:cNvSpPr>
+            <a:spLocks noGrp="1"/>
+          </p:cNvSpPr>
+          <p:nvPr>
+            <p:ph type="ftr" sz="quarter" idx="11"/>
+          </p:nvPr>
+        </p:nvSpPr>
+        <p:spPr/>
+        <p:txBody>
+          <a:bodyPr/>
+          <a:p>
+            <a:r>
+              <a:rPr lang="zh-CN" altLang="en-US"/>
+              <a:t>Xiaoming Ru</a:t>
+            </a:r>
+            <a:endParaRPr lang="zh-CN" altLang="en-US"/>
+          </a:p>
+        </p:txBody>
+      </p:sp>
+      <p:sp>
+        <p:nvSpPr>
+          <p:cNvPr id="5" name="灯片编号占位符 4"/>
+          <p:cNvSpPr>
+            <a:spLocks noGrp="1"/>
+          </p:cNvSpPr>
+          <p:nvPr>
+            <p:ph type="sldNum" sz="quarter" idx="12"/>
+          </p:nvPr>
+        </p:nvSpPr>
+        <p:spPr/>
+        <p:txBody>
+          <a:bodyPr/>
+          <a:p>
+            <a:fld id="{7D9BB5D0-35E4-459D-AEF3-FE4D7C45CC19}" type="slidenum">
+              <a:rPr lang="zh-CN" altLang="en-US" smtClean="0"/>
+            </a:fld>
+            <a:endParaRPr lang="zh-CN" altLang="en-US"/>
+          </a:p>
+        </p:txBody>
+      </p:sp>
+      <p:sp>
+        <p:nvSpPr>
+          <p:cNvPr id="7" name="内容占位符 6"/>
+          <p:cNvSpPr/>
+          <p:nvPr>
+            <p:ph idx="1"/>
+          </p:nvPr>
+        </p:nvSpPr>
+        <p:spPr/>
+        <p:txBody>
+          <a:bodyPr/>
+          <a:p>
+            <a:r>
+              <a:rPr lang="en-US" altLang="zh-CN"/>
+              <a:t> xml -&gt; Json</a:t>
+            </a:r>
+            <a:endParaRPr lang="en-US" altLang="zh-CN"/>
+          </a:p>
+          <a:p>
+            <a:endParaRPr lang="en-US" altLang="zh-CN"/>
+          </a:p>
+          <a:p>
+            <a:endParaRPr lang="en-US" altLang="zh-CN"/>
+          </a:p>
+          <a:p>
+            <a:r>
+              <a:rPr lang="en-US" altLang="zh-CN"/>
+              <a:t>Json files </a:t>
+            </a:r>
+            <a:br>
+              <a:rPr lang="en-US" altLang="zh-CN"/>
+            </a:br>
+            <a:r>
+              <a:rPr lang="en-US" altLang="zh-CN"/>
+              <a:t>-&gt; db</a:t>
+            </a:r>
+            <a:endParaRPr lang="en-US" altLang="zh-CN"/>
+          </a:p>
+          <a:p>
+            <a:endParaRPr lang="en-US" altLang="zh-CN"/>
+          </a:p>
+          <a:p>
+            <a:r>
+              <a:rPr lang="en-US" altLang="zh-CN"/>
+              <a:t>db -&gt; tf-idf</a:t>
+            </a:r>
+            <a:endParaRPr lang="en-US" altLang="zh-CN"/>
+          </a:p>
+          <a:p>
+            <a:endParaRPr lang="en-US" altLang="zh-CN"/>
+          </a:p>
+          <a:p>
+            <a:endParaRPr lang="en-US" altLang="zh-CN"/>
+          </a:p>
+        </p:txBody>
+      </p:sp>
+      <p:pic>
+        <p:nvPicPr>
+          <p:cNvPr id="8" name="图片 7"/>
+          <p:cNvPicPr>
+            <a:picLocks noChangeAspect="1"/>
+          </p:cNvPicPr>
+          <p:nvPr/>
+        </p:nvPicPr>
+        <p:blipFill>
+          <a:blip r:embed="rId1"/>
+          <a:stretch>
+            <a:fillRect/>
+          </a:stretch>
+        </p:blipFill>
+        <p:spPr>
+          <a:xfrm>
+            <a:off x="2911475" y="156845"/>
+            <a:ext cx="4554220" cy="2277745"/>
+          </a:xfrm>
+          <a:prstGeom prst="rect">
+            <a:avLst/>
+          </a:prstGeom>
+        </p:spPr>
+      </p:pic>
+      <p:pic>
+        <p:nvPicPr>
+          <p:cNvPr id="9" name="图片 8"/>
+          <p:cNvPicPr>
+            <a:picLocks noChangeAspect="1"/>
+          </p:cNvPicPr>
+          <p:nvPr/>
+        </p:nvPicPr>
+        <p:blipFill>
+          <a:blip r:embed="rId2"/>
+          <a:stretch>
+            <a:fillRect/>
+          </a:stretch>
+        </p:blipFill>
+        <p:spPr>
+          <a:xfrm>
+            <a:off x="7974965" y="1025525"/>
+            <a:ext cx="4744085" cy="541020"/>
+          </a:xfrm>
+          <a:prstGeom prst="rect">
+            <a:avLst/>
+          </a:prstGeom>
+        </p:spPr>
+      </p:pic>
+      <p:pic>
+        <p:nvPicPr>
+          <p:cNvPr id="10" name="图片 9"/>
+          <p:cNvPicPr>
+            <a:picLocks noChangeAspect="1"/>
+          </p:cNvPicPr>
+          <p:nvPr/>
+        </p:nvPicPr>
+        <p:blipFill>
+          <a:blip r:embed="rId3"/>
+          <a:stretch>
+            <a:fillRect/>
+          </a:stretch>
+        </p:blipFill>
+        <p:spPr>
+          <a:xfrm>
+            <a:off x="2992120" y="2988310"/>
+            <a:ext cx="4392295" cy="1060450"/>
+          </a:xfrm>
+          <a:prstGeom prst="rect">
+            <a:avLst/>
+          </a:prstGeom>
+        </p:spPr>
+      </p:pic>
+      <p:pic>
+        <p:nvPicPr>
+          <p:cNvPr id="12" name="图片 11"/>
+          <p:cNvPicPr>
+            <a:picLocks noChangeAspect="1"/>
+          </p:cNvPicPr>
+          <p:nvPr/>
+        </p:nvPicPr>
+        <p:blipFill>
+          <a:blip r:embed="rId4"/>
+          <a:stretch>
+            <a:fillRect/>
+          </a:stretch>
+        </p:blipFill>
+        <p:spPr>
+          <a:xfrm>
+            <a:off x="3669030" y="5053965"/>
+            <a:ext cx="4648200" cy="296545"/>
+          </a:xfrm>
+          <a:prstGeom prst="rect">
+            <a:avLst/>
+          </a:prstGeom>
+        </p:spPr>
+      </p:pic>
+      <p:pic>
+        <p:nvPicPr>
+          <p:cNvPr id="13" name="图片 12"/>
+          <p:cNvPicPr>
+            <a:picLocks noChangeAspect="1"/>
+          </p:cNvPicPr>
+          <p:nvPr/>
+        </p:nvPicPr>
+        <p:blipFill>
+          <a:blip r:embed="rId5"/>
+          <a:stretch>
+            <a:fillRect/>
+          </a:stretch>
+        </p:blipFill>
+        <p:spPr>
+          <a:xfrm>
+            <a:off x="6226810" y="4883150"/>
+            <a:ext cx="6028690" cy="638175"/>
+          </a:xfrm>
+          <a:prstGeom prst="rect">
+            <a:avLst/>
+          </a:prstGeom>
+        </p:spPr>
+      </p:pic>
+      <p:cxnSp>
+        <p:nvCxnSpPr>
+          <p:cNvPr id="17" name="肘形连接符 16"/>
+          <p:cNvCxnSpPr>
+            <a:stCxn id="9" idx="2"/>
+            <a:endCxn id="10" idx="0"/>
+          </p:cNvCxnSpPr>
+          <p:nvPr/>
+        </p:nvCxnSpPr>
+        <p:spPr>
+          <a:xfrm rot="5400000">
+            <a:off x="7057073" y="-301942"/>
+            <a:ext cx="1421765" cy="5158740"/>
+          </a:xfrm>
+          <a:prstGeom prst="bentConnector3">
+            <a:avLst>
+              <a:gd name="adj1" fmla="val 73068"/>
+            </a:avLst>
+          </a:prstGeom>
+          <a:ln>
+            <a:tailEnd type="arrow"/>
+          </a:ln>
+        </p:spPr>
+        <p:style>
+          <a:lnRef idx="1">
+            <a:schemeClr val="accent1"/>
+          </a:lnRef>
+          <a:fillRef idx="0">
+            <a:schemeClr val="accent1"/>
+          </a:fillRef>
+          <a:effectRef idx="0">
+            <a:schemeClr val="accent1"/>
+          </a:effectRef>
+          <a:fontRef idx="minor">
+            <a:schemeClr val="tx1"/>
+          </a:fontRef>
+        </p:style>
+      </p:cxnSp>
+      <p:cxnSp>
+        <p:nvCxnSpPr>
+          <p:cNvPr id="18" name="肘形连接符 17"/>
+          <p:cNvCxnSpPr>
+            <a:stCxn id="10" idx="2"/>
+            <a:endCxn id="12" idx="1"/>
+          </p:cNvCxnSpPr>
+          <p:nvPr/>
+        </p:nvCxnSpPr>
+        <p:spPr>
+          <a:xfrm rot="5400000">
+            <a:off x="3851910" y="3865245"/>
+            <a:ext cx="1153795" cy="1519555"/>
+          </a:xfrm>
+          <a:prstGeom prst="bentConnector4">
+            <a:avLst>
+              <a:gd name="adj1" fmla="val 43588"/>
+              <a:gd name="adj2" fmla="val 118136"/>
+            </a:avLst>
+          </a:prstGeom>
+          <a:ln>
+            <a:tailEnd type="arrow"/>
+          </a:ln>
+        </p:spPr>
+        <p:style>
+          <a:lnRef idx="1">
+            <a:schemeClr val="accent1"/>
+          </a:lnRef>
+          <a:fillRef idx="0">
+            <a:schemeClr val="accent1"/>
+          </a:fillRef>
+          <a:effectRef idx="0">
+            <a:schemeClr val="accent1"/>
+          </a:effectRef>
+          <a:fontRef idx="minor">
+            <a:schemeClr val="tx1"/>
+          </a:fontRef>
+        </p:style>
+      </p:cxnSp>
+      <p:cxnSp>
+        <p:nvCxnSpPr>
+          <p:cNvPr id="19" name="直接箭头连接符 18"/>
+          <p:cNvCxnSpPr>
+            <a:stCxn id="8" idx="3"/>
+            <a:endCxn id="9" idx="1"/>
+          </p:cNvCxnSpPr>
+          <p:nvPr/>
+        </p:nvCxnSpPr>
+        <p:spPr>
+          <a:xfrm>
+            <a:off x="7465695" y="1296035"/>
+            <a:ext cx="509270" cy="0"/>
+          </a:xfrm>
+          <a:prstGeom prst="straightConnector1">
+            <a:avLst/>
+          </a:prstGeom>
+          <a:ln>
+            <a:tailEnd type="arrow"/>
+          </a:ln>
+        </p:spPr>
+        <p:style>
+          <a:lnRef idx="1">
+            <a:schemeClr val="accent1"/>
+          </a:lnRef>
+          <a:fillRef idx="0">
+            <a:schemeClr val="accent1"/>
+          </a:fillRef>
+          <a:effectRef idx="0">
+            <a:schemeClr val="accent1"/>
+          </a:effectRef>
+          <a:fontRef idx="minor">
+            <a:schemeClr val="tx1"/>
+          </a:fontRef>
+        </p:style>
+      </p:cxnSp>
+      <p:cxnSp>
+        <p:nvCxnSpPr>
+          <p:cNvPr id="21" name="直接箭头连接符 20"/>
+          <p:cNvCxnSpPr/>
+          <p:nvPr/>
+        </p:nvCxnSpPr>
+        <p:spPr>
+          <a:xfrm>
+            <a:off x="4406265" y="5137785"/>
+            <a:ext cx="1486535" cy="0"/>
+          </a:xfrm>
+          <a:prstGeom prst="straightConnector1">
+            <a:avLst/>
+          </a:prstGeom>
+          <a:ln>
+            <a:tailEnd type="arrow"/>
+          </a:ln>
+        </p:spPr>
+        <p:style>
+          <a:lnRef idx="1">
+            <a:schemeClr val="accent1"/>
+          </a:lnRef>
+          <a:fillRef idx="0">
+            <a:schemeClr val="accent1"/>
+          </a:fillRef>
+          <a:effectRef idx="0">
+            <a:schemeClr val="accent1"/>
+          </a:effectRef>
+          <a:fontRef idx="minor">
+            <a:schemeClr val="tx1"/>
+          </a:fontRef>
+        </p:style>
+      </p:cxnSp>
     </p:spTree>
   </p:cSld>
   <p:clrMapOvr>
